--- a/Modulos/PSP/Tema_1/Teoría Tema1.pptx
+++ b/Modulos/PSP/Tema_1/Teoría Tema1.pptx
@@ -142,6 +142,8 @@
 <file path=ppt/revisionInfo.xml><?xml version="1.0" encoding="utf-8"?>
 <p1510:revInfo xmlns:a="http://schemas.openxmlformats.org/drawingml/2006/main" xmlns:r="http://schemas.openxmlformats.org/officeDocument/2006/relationships" xmlns:p1510="http://schemas.microsoft.com/office/powerpoint/2015/10/main">
   <p1510:revLst>
+    <p1510:client id="{11B922F4-3356-1D21-C84E-89D5BB8B9357}" v="1378" dt="2023-10-23T14:39:24.501"/>
+    <p1510:client id="{46C2C40A-913E-6267-1DEB-5406EF2F5317}" v="790" dt="2023-10-21T18:03:13.875"/>
     <p1510:client id="{BC72FAC5-D591-1DDD-2A3E-5481965C567E}" v="7878" dt="2023-10-15T20:31:22.586"/>
     <p1510:client id="{E5BB7549-6A2B-4C07-962C-78DE10676B53}" v="379" dt="2023-06-27T15:15:39.303"/>
     <p1510:client id="{FBD943C5-B470-0D34-8ED2-343FF8F959A3}" v="1140" dt="2023-10-16T18:37:05.870"/>
@@ -3433,7 +3435,7 @@
           <a:p>
             <a:fld id="{1E351CED-465B-40B5-ADCE-957C918F227B}" type="datetimeFigureOut">
               <a:rPr lang="en-US" smtClean="0"/>
-              <a:t>10/16/2023</a:t>
+              <a:t>10/31/2023</a:t>
             </a:fld>
             <a:endParaRPr lang="en-US"/>
           </a:p>
@@ -3641,7 +3643,7 @@
           <a:p>
             <a:fld id="{1E351CED-465B-40B5-ADCE-957C918F227B}" type="datetimeFigureOut">
               <a:rPr lang="en-US" smtClean="0"/>
-              <a:t>10/16/2023</a:t>
+              <a:t>10/31/2023</a:t>
             </a:fld>
             <a:endParaRPr lang="en-US"/>
           </a:p>
@@ -3851,7 +3853,7 @@
           <a:p>
             <a:fld id="{1E351CED-465B-40B5-ADCE-957C918F227B}" type="datetimeFigureOut">
               <a:rPr lang="en-US" smtClean="0"/>
-              <a:t>10/16/2023</a:t>
+              <a:t>10/31/2023</a:t>
             </a:fld>
             <a:endParaRPr lang="en-US"/>
           </a:p>
@@ -4051,7 +4053,7 @@
           <a:p>
             <a:fld id="{1E351CED-465B-40B5-ADCE-957C918F227B}" type="datetimeFigureOut">
               <a:rPr lang="en-US" smtClean="0"/>
-              <a:t>10/16/2023</a:t>
+              <a:t>10/31/2023</a:t>
             </a:fld>
             <a:endParaRPr lang="en-US"/>
           </a:p>
@@ -4629,7 +4631,7 @@
           <a:p>
             <a:fld id="{1E351CED-465B-40B5-ADCE-957C918F227B}" type="datetimeFigureOut">
               <a:rPr lang="en-US" smtClean="0"/>
-              <a:t>10/16/2023</a:t>
+              <a:t>10/31/2023</a:t>
             </a:fld>
             <a:endParaRPr lang="en-US"/>
           </a:p>
@@ -4902,7 +4904,7 @@
           <a:p>
             <a:fld id="{1E351CED-465B-40B5-ADCE-957C918F227B}" type="datetimeFigureOut">
               <a:rPr lang="en-US" smtClean="0"/>
-              <a:t>10/16/2023</a:t>
+              <a:t>10/31/2023</a:t>
             </a:fld>
             <a:endParaRPr lang="en-US"/>
           </a:p>
@@ -5319,7 +5321,7 @@
           <a:p>
             <a:fld id="{1E351CED-465B-40B5-ADCE-957C918F227B}" type="datetimeFigureOut">
               <a:rPr lang="en-US" smtClean="0"/>
-              <a:t>10/16/2023</a:t>
+              <a:t>10/31/2023</a:t>
             </a:fld>
             <a:endParaRPr lang="en-US"/>
           </a:p>
@@ -5466,7 +5468,7 @@
           <a:p>
             <a:fld id="{1E351CED-465B-40B5-ADCE-957C918F227B}" type="datetimeFigureOut">
               <a:rPr lang="en-US" smtClean="0"/>
-              <a:t>10/16/2023</a:t>
+              <a:t>10/31/2023</a:t>
             </a:fld>
             <a:endParaRPr lang="en-US"/>
           </a:p>
@@ -5579,7 +5581,7 @@
           <a:p>
             <a:fld id="{1E351CED-465B-40B5-ADCE-957C918F227B}" type="datetimeFigureOut">
               <a:rPr lang="en-US" smtClean="0"/>
-              <a:t>10/16/2023</a:t>
+              <a:t>10/31/2023</a:t>
             </a:fld>
             <a:endParaRPr lang="en-US"/>
           </a:p>
@@ -5894,7 +5896,7 @@
           <a:p>
             <a:fld id="{1E351CED-465B-40B5-ADCE-957C918F227B}" type="datetimeFigureOut">
               <a:rPr lang="en-US" smtClean="0"/>
-              <a:t>10/16/2023</a:t>
+              <a:t>10/31/2023</a:t>
             </a:fld>
             <a:endParaRPr lang="en-US"/>
           </a:p>
@@ -6188,7 +6190,7 @@
           <a:p>
             <a:fld id="{1E351CED-465B-40B5-ADCE-957C918F227B}" type="datetimeFigureOut">
               <a:rPr lang="en-US" smtClean="0"/>
-              <a:t>10/16/2023</a:t>
+              <a:t>10/31/2023</a:t>
             </a:fld>
             <a:endParaRPr lang="en-US"/>
           </a:p>
@@ -6429,7 +6431,7 @@
           <a:p>
             <a:fld id="{1E351CED-465B-40B5-ADCE-957C918F227B}" type="datetimeFigureOut">
               <a:rPr lang="en-US" smtClean="0"/>
-              <a:t>10/16/2023</a:t>
+              <a:t>10/31/2023</a:t>
             </a:fld>
             <a:endParaRPr lang="en-US"/>
           </a:p>
@@ -16167,6 +16169,374 @@
           </a:p>
         </p:txBody>
       </p:sp>
+      <p:graphicFrame>
+        <p:nvGraphicFramePr>
+          <p:cNvPr id="4" name="Tabla 3">
+            <a:extLst>
+              <a:ext uri="{FF2B5EF4-FFF2-40B4-BE49-F238E27FC236}">
+                <a16:creationId xmlns:a16="http://schemas.microsoft.com/office/drawing/2014/main" id="{3D34629F-BE29-EF68-EF9E-4C9AB644F7FC}"/>
+              </a:ext>
+            </a:extLst>
+          </p:cNvPr>
+          <p:cNvGraphicFramePr>
+            <a:graphicFrameLocks noGrp="1"/>
+          </p:cNvGraphicFramePr>
+          <p:nvPr>
+            <p:extLst>
+              <p:ext uri="{D42A27DB-BD31-4B8C-83A1-F6EECF244321}">
+                <p14:modId xmlns:p14="http://schemas.microsoft.com/office/powerpoint/2010/main" val="993707219"/>
+              </p:ext>
+            </p:extLst>
+          </p:nvPr>
+        </p:nvGraphicFramePr>
+        <p:xfrm>
+          <a:off x="1359477" y="4104408"/>
+          <a:ext cx="9384171" cy="2225040"/>
+        </p:xfrm>
+        <a:graphic>
+          <a:graphicData uri="http://schemas.openxmlformats.org/drawingml/2006/table">
+            <a:tbl>
+              <a:tblPr firstRow="1" bandRow="1">
+                <a:tableStyleId>{5C22544A-7EE6-4342-B048-85BDC9FD1C3A}</a:tableStyleId>
+              </a:tblPr>
+              <a:tblGrid>
+                <a:gridCol w="3597607">
+                  <a:extLst>
+                    <a:ext uri="{9D8B030D-6E8A-4147-A177-3AD203B41FA5}">
+                      <a16:colId xmlns:a16="http://schemas.microsoft.com/office/drawing/2014/main" val="1184230535"/>
+                    </a:ext>
+                  </a:extLst>
+                </a:gridCol>
+                <a:gridCol w="2427743">
+                  <a:extLst>
+                    <a:ext uri="{9D8B030D-6E8A-4147-A177-3AD203B41FA5}">
+                      <a16:colId xmlns:a16="http://schemas.microsoft.com/office/drawing/2014/main" val="242913329"/>
+                    </a:ext>
+                  </a:extLst>
+                </a:gridCol>
+                <a:gridCol w="3358821">
+                  <a:extLst>
+                    <a:ext uri="{9D8B030D-6E8A-4147-A177-3AD203B41FA5}">
+                      <a16:colId xmlns:a16="http://schemas.microsoft.com/office/drawing/2014/main" val="808080744"/>
+                    </a:ext>
+                  </a:extLst>
+                </a:gridCol>
+              </a:tblGrid>
+              <a:tr h="370840">
+                <a:tc>
+                  <a:txBody>
+                    <a:bodyPr/>
+                    <a:lstStyle/>
+                    <a:p>
+                      <a:pPr algn="ctr"/>
+                      <a:r>
+                        <a:rPr lang="es-ES"/>
+                        <a:t>Mecanismo</a:t>
+                      </a:r>
+                    </a:p>
+                  </a:txBody>
+                  <a:tcPr/>
+                </a:tc>
+                <a:tc>
+                  <a:txBody>
+                    <a:bodyPr/>
+                    <a:lstStyle/>
+                    <a:p>
+                      <a:pPr algn="ctr"/>
+                      <a:r>
+                        <a:rPr lang="es-ES"/>
+                        <a:t>Clase</a:t>
+                      </a:r>
+                    </a:p>
+                  </a:txBody>
+                  <a:tcPr/>
+                </a:tc>
+                <a:tc>
+                  <a:txBody>
+                    <a:bodyPr/>
+                    <a:lstStyle/>
+                    <a:p>
+                      <a:pPr algn="ctr"/>
+                      <a:r>
+                        <a:rPr lang="es-ES"/>
+                        <a:t>Método</a:t>
+                      </a:r>
+                    </a:p>
+                  </a:txBody>
+                  <a:tcPr/>
+                </a:tc>
+                <a:extLst>
+                  <a:ext uri="{0D108BD9-81ED-4DB2-BD59-A6C34878D82A}">
+                    <a16:rowId xmlns:a16="http://schemas.microsoft.com/office/drawing/2014/main" val="670117708"/>
+                  </a:ext>
+                </a:extLst>
+              </a:tr>
+              <a:tr h="370840">
+                <a:tc>
+                  <a:txBody>
+                    <a:bodyPr/>
+                    <a:lstStyle/>
+                    <a:p>
+                      <a:r>
+                        <a:rPr lang="es-ES" sz="1200" dirty="0"/>
+                        <a:t>Ejecución.</a:t>
+                      </a:r>
+                    </a:p>
+                  </a:txBody>
+                  <a:tcPr/>
+                </a:tc>
+                <a:tc>
+                  <a:txBody>
+                    <a:bodyPr/>
+                    <a:lstStyle/>
+                    <a:p>
+                      <a:r>
+                        <a:rPr lang="es-ES" sz="1200" dirty="0" err="1"/>
+                        <a:t>Runtime</a:t>
+                      </a:r>
+                    </a:p>
+                  </a:txBody>
+                  <a:tcPr/>
+                </a:tc>
+                <a:tc>
+                  <a:txBody>
+                    <a:bodyPr/>
+                    <a:lstStyle/>
+                    <a:p>
+                      <a:r>
+                        <a:rPr lang="es-ES" sz="1200" dirty="0" err="1"/>
+                        <a:t>exec</a:t>
+                      </a:r>
+                      <a:r>
+                        <a:rPr lang="es-ES" sz="1200" dirty="0"/>
+                        <a:t>()</a:t>
+                      </a:r>
+                    </a:p>
+                  </a:txBody>
+                  <a:tcPr/>
+                </a:tc>
+                <a:extLst>
+                  <a:ext uri="{0D108BD9-81ED-4DB2-BD59-A6C34878D82A}">
+                    <a16:rowId xmlns:a16="http://schemas.microsoft.com/office/drawing/2014/main" val="3994357989"/>
+                  </a:ext>
+                </a:extLst>
+              </a:tr>
+              <a:tr h="370840">
+                <a:tc>
+                  <a:txBody>
+                    <a:bodyPr/>
+                    <a:lstStyle/>
+                    <a:p>
+                      <a:r>
+                        <a:rPr lang="es-ES" sz="1200" dirty="0"/>
+                        <a:t>Ejecución.</a:t>
+                      </a:r>
+                    </a:p>
+                  </a:txBody>
+                  <a:tcPr/>
+                </a:tc>
+                <a:tc>
+                  <a:txBody>
+                    <a:bodyPr/>
+                    <a:lstStyle/>
+                    <a:p>
+                      <a:r>
+                        <a:rPr lang="es-ES" sz="1200" dirty="0" err="1"/>
+                        <a:t>ProcessBuilder</a:t>
+                      </a:r>
+                    </a:p>
+                  </a:txBody>
+                  <a:tcPr/>
+                </a:tc>
+                <a:tc>
+                  <a:txBody>
+                    <a:bodyPr/>
+                    <a:lstStyle/>
+                    <a:p>
+                      <a:r>
+                        <a:rPr lang="es-ES" sz="1200" dirty="0" err="1"/>
+                        <a:t>start</a:t>
+                      </a:r>
+                      <a:r>
+                        <a:rPr lang="es-ES" sz="1200" dirty="0"/>
+                        <a:t>()</a:t>
+                      </a:r>
+                    </a:p>
+                  </a:txBody>
+                  <a:tcPr/>
+                </a:tc>
+                <a:extLst>
+                  <a:ext uri="{0D108BD9-81ED-4DB2-BD59-A6C34878D82A}">
+                    <a16:rowId xmlns:a16="http://schemas.microsoft.com/office/drawing/2014/main" val="3145789230"/>
+                  </a:ext>
+                </a:extLst>
+              </a:tr>
+              <a:tr h="370840">
+                <a:tc>
+                  <a:txBody>
+                    <a:bodyPr/>
+                    <a:lstStyle/>
+                    <a:p>
+                      <a:r>
+                        <a:rPr lang="es-ES" sz="1200" dirty="0"/>
+                        <a:t>Espera.</a:t>
+                      </a:r>
+                    </a:p>
+                  </a:txBody>
+                  <a:tcPr/>
+                </a:tc>
+                <a:tc>
+                  <a:txBody>
+                    <a:bodyPr/>
+                    <a:lstStyle/>
+                    <a:p>
+                      <a:r>
+                        <a:rPr lang="es-ES" sz="1200" dirty="0" err="1"/>
+                        <a:t>Process</a:t>
+                      </a:r>
+                    </a:p>
+                  </a:txBody>
+                  <a:tcPr/>
+                </a:tc>
+                <a:tc>
+                  <a:txBody>
+                    <a:bodyPr/>
+                    <a:lstStyle/>
+                    <a:p>
+                      <a:r>
+                        <a:rPr lang="es-ES" sz="1200" dirty="0" err="1"/>
+                        <a:t>waitFor</a:t>
+                      </a:r>
+                      <a:r>
+                        <a:rPr lang="es-ES" sz="1200" dirty="0"/>
+                        <a:t>()</a:t>
+                      </a:r>
+                    </a:p>
+                  </a:txBody>
+                  <a:tcPr/>
+                </a:tc>
+                <a:extLst>
+                  <a:ext uri="{0D108BD9-81ED-4DB2-BD59-A6C34878D82A}">
+                    <a16:rowId xmlns:a16="http://schemas.microsoft.com/office/drawing/2014/main" val="2553723071"/>
+                  </a:ext>
+                </a:extLst>
+              </a:tr>
+              <a:tr h="370840">
+                <a:tc>
+                  <a:txBody>
+                    <a:bodyPr/>
+                    <a:lstStyle/>
+                    <a:p>
+                      <a:r>
+                        <a:rPr lang="es-ES" sz="1200" dirty="0"/>
+                        <a:t>Generación de código en terminación.</a:t>
+                      </a:r>
+                    </a:p>
+                  </a:txBody>
+                  <a:tcPr/>
+                </a:tc>
+                <a:tc>
+                  <a:txBody>
+                    <a:bodyPr/>
+                    <a:lstStyle/>
+                    <a:p>
+                      <a:r>
+                        <a:rPr lang="es-ES" sz="1200" dirty="0" err="1"/>
+                        <a:t>System</a:t>
+                      </a:r>
+                    </a:p>
+                  </a:txBody>
+                  <a:tcPr/>
+                </a:tc>
+                <a:tc>
+                  <a:txBody>
+                    <a:bodyPr/>
+                    <a:lstStyle/>
+                    <a:p>
+                      <a:r>
+                        <a:rPr lang="es-ES" sz="1200" dirty="0" err="1"/>
+                        <a:t>exit</a:t>
+                      </a:r>
+                      <a:r>
+                        <a:rPr lang="es-ES" sz="1200" dirty="0"/>
+                        <a:t>(</a:t>
+                      </a:r>
+                      <a:r>
+                        <a:rPr lang="es-ES" sz="1200" dirty="0" err="1"/>
+                        <a:t>valor_del_retorno</a:t>
+                      </a:r>
+                      <a:r>
+                        <a:rPr lang="es-ES" sz="1200" dirty="0"/>
+                        <a:t>)</a:t>
+                      </a:r>
+                    </a:p>
+                  </a:txBody>
+                  <a:tcPr/>
+                </a:tc>
+                <a:extLst>
+                  <a:ext uri="{0D108BD9-81ED-4DB2-BD59-A6C34878D82A}">
+                    <a16:rowId xmlns:a16="http://schemas.microsoft.com/office/drawing/2014/main" val="3117690371"/>
+                  </a:ext>
+                </a:extLst>
+              </a:tr>
+              <a:tr h="370840">
+                <a:tc>
+                  <a:txBody>
+                    <a:bodyPr/>
+                    <a:lstStyle/>
+                    <a:p>
+                      <a:r>
+                        <a:rPr lang="es-ES" sz="1200"/>
+                        <a:t>Generación</a:t>
+                      </a:r>
+                      <a:r>
+                        <a:rPr lang="es-ES" sz="1200" dirty="0"/>
+                        <a:t> de código en terminación.</a:t>
+                      </a:r>
+                    </a:p>
+                  </a:txBody>
+                  <a:tcPr/>
+                </a:tc>
+                <a:tc>
+                  <a:txBody>
+                    <a:bodyPr/>
+                    <a:lstStyle/>
+                    <a:p>
+                      <a:r>
+                        <a:rPr lang="es-ES" sz="1200" dirty="0" err="1"/>
+                        <a:t>Process</a:t>
+                      </a:r>
+                    </a:p>
+                  </a:txBody>
+                  <a:tcPr/>
+                </a:tc>
+                <a:tc>
+                  <a:txBody>
+                    <a:bodyPr/>
+                    <a:lstStyle/>
+                    <a:p>
+                      <a:r>
+                        <a:rPr lang="es-ES" sz="1200" dirty="0" err="1"/>
+                        <a:t>waitFor</a:t>
+                      </a:r>
+                      <a:r>
+                        <a:rPr lang="es-ES" sz="1200" dirty="0"/>
+                        <a:t>()</a:t>
+                      </a:r>
+                    </a:p>
+                  </a:txBody>
+                  <a:tcPr/>
+                </a:tc>
+                <a:extLst>
+                  <a:ext uri="{0D108BD9-81ED-4DB2-BD59-A6C34878D82A}">
+                    <a16:rowId xmlns:a16="http://schemas.microsoft.com/office/drawing/2014/main" val="1532239226"/>
+                  </a:ext>
+                </a:extLst>
+              </a:tr>
+            </a:tbl>
+          </a:graphicData>
+        </a:graphic>
+      </p:graphicFrame>
     </p:spTree>
     <p:extLst>
       <p:ext uri="{BB962C8B-B14F-4D97-AF65-F5344CB8AC3E}">
@@ -16658,17 +17028,96 @@
         </p:nvSpPr>
         <p:spPr>
           <a:xfrm>
-            <a:off x="1987680" y="2401493"/>
-            <a:ext cx="8929845" cy="3404667"/>
+            <a:off x="359771" y="2254289"/>
+            <a:ext cx="11596845" cy="4149348"/>
           </a:xfrm>
         </p:spPr>
         <p:txBody>
-          <a:bodyPr>
-            <a:normAutofit/>
+          <a:bodyPr vert="horz" lIns="91440" tIns="45720" rIns="91440" bIns="45720" rtlCol="0" anchor="t">
+            <a:normAutofit fontScale="92500" lnSpcReduction="10000"/>
           </a:bodyPr>
           <a:lstStyle/>
           <a:p>
-            <a:endParaRPr lang="es-ES"/>
+            <a:r>
+              <a:rPr lang="es-ES" dirty="0"/>
+              <a:t>Cada instancia de una aplicación en ejecución es un proceso.</a:t>
+            </a:r>
+          </a:p>
+          <a:p>
+            <a:r>
+              <a:rPr lang="es-ES" dirty="0"/>
+              <a:t>La programación de aplicaciones multiproceso como la capacidad de coordinar la ejecución de un conjunto de aplicaciones para lograr un objetivo común.</a:t>
+            </a:r>
+          </a:p>
+          <a:p>
+            <a:r>
+              <a:rPr lang="es-ES" dirty="0"/>
+              <a:t>Las necesidades que se deben satisfacer para poder programar un sistema basado en la ejecución de múltiples procesos es:</a:t>
+            </a:r>
+          </a:p>
+          <a:p>
+            <a:pPr lvl="1"/>
+            <a:r>
+              <a:rPr lang="es-ES" dirty="0"/>
+              <a:t>Poder arrancar un proceso y hacerle llegar los parámetros de ejecución.</a:t>
+            </a:r>
+          </a:p>
+          <a:p>
+            <a:pPr lvl="1"/>
+            <a:r>
+              <a:rPr lang="es-ES" dirty="0"/>
+              <a:t>Poder quedar a la espera de que el proceso termine.</a:t>
+            </a:r>
+          </a:p>
+          <a:p>
+            <a:pPr lvl="1"/>
+            <a:r>
+              <a:rPr lang="es-ES" dirty="0"/>
+              <a:t>Poder recoger el código de finalización de ejecución para determinar si el proceso se ejecutó correctamente.</a:t>
+            </a:r>
+          </a:p>
+          <a:p>
+            <a:pPr lvl="1"/>
+            <a:r>
+              <a:rPr lang="es-ES" dirty="0"/>
+              <a:t>Poder leer los datos generados por el proceso para su tratamiento.</a:t>
+            </a:r>
+          </a:p>
+          <a:p>
+            <a:r>
+              <a:rPr lang="es-ES" dirty="0"/>
+              <a:t>En Java, la creación de un proceso se puede realizar de dos maneras:</a:t>
+            </a:r>
+          </a:p>
+          <a:p>
+            <a:pPr lvl="1">
+              <a:buFont typeface="Neue Haas Grotesk Text Pro" panose="020B0604020202020204" pitchFamily="34" charset="0"/>
+              <a:buChar char="–"/>
+            </a:pPr>
+            <a:r>
+              <a:rPr lang="es-ES" dirty="0"/>
+              <a:t>Utilizando la clase </a:t>
+            </a:r>
+            <a:r>
+              <a:rPr lang="es-ES" b="1" err="1"/>
+              <a:t>java.lang.Runtime</a:t>
+            </a:r>
+            <a:endParaRPr lang="es-ES" b="1"/>
+          </a:p>
+          <a:p>
+            <a:pPr lvl="1">
+              <a:buFont typeface="Neue Haas Grotesk Text Pro" panose="020B0604020202020204" pitchFamily="34" charset="0"/>
+              <a:buChar char="–"/>
+            </a:pPr>
+            <a:r>
+              <a:rPr lang="es-ES" dirty="0"/>
+              <a:t>Utilizando la clase </a:t>
+            </a:r>
+            <a:r>
+              <a:rPr lang="es-ES" b="1" err="1"/>
+              <a:t>java.langProcessBuiler</a:t>
+            </a:r>
+            <a:endParaRPr lang="es-ES" b="1"/>
           </a:p>
         </p:txBody>
       </p:sp>
@@ -17163,20 +17612,507 @@
         </p:nvSpPr>
         <p:spPr>
           <a:xfrm>
-            <a:off x="1987680" y="2401493"/>
-            <a:ext cx="8929845" cy="3404667"/>
+            <a:off x="307816" y="2098424"/>
+            <a:ext cx="11527572" cy="4452417"/>
           </a:xfrm>
         </p:spPr>
         <p:txBody>
-          <a:bodyPr>
+          <a:bodyPr vert="horz" lIns="91440" tIns="45720" rIns="91440" bIns="45720" rtlCol="0" anchor="t">
             <a:normAutofit/>
           </a:bodyPr>
           <a:lstStyle/>
           <a:p>
-            <a:endParaRPr lang="es-ES"/>
+            <a:r>
+              <a:rPr lang="es-ES" dirty="0"/>
+              <a:t>Clase </a:t>
+            </a:r>
+            <a:r>
+              <a:rPr lang="es-ES" dirty="0" err="1"/>
+              <a:t>ProcesosJava</a:t>
+            </a:r>
+            <a:r>
+              <a:rPr lang="es-ES" dirty="0"/>
+              <a:t> - </a:t>
+            </a:r>
+            <a:r>
+              <a:rPr lang="es-ES" dirty="0" err="1"/>
+              <a:t>ProcesosRuntime</a:t>
+            </a:r>
           </a:p>
         </p:txBody>
       </p:sp>
+      <p:graphicFrame>
+        <p:nvGraphicFramePr>
+          <p:cNvPr id="4" name="Tabla 3">
+            <a:extLst>
+              <a:ext uri="{FF2B5EF4-FFF2-40B4-BE49-F238E27FC236}">
+                <a16:creationId xmlns:a16="http://schemas.microsoft.com/office/drawing/2014/main" id="{E92235B9-2A83-E726-D697-FE51102621A2}"/>
+              </a:ext>
+            </a:extLst>
+          </p:cNvPr>
+          <p:cNvGraphicFramePr>
+            <a:graphicFrameLocks noGrp="1"/>
+          </p:cNvGraphicFramePr>
+          <p:nvPr>
+            <p:extLst>
+              <p:ext uri="{D42A27DB-BD31-4B8C-83A1-F6EECF244321}">
+                <p14:modId xmlns:p14="http://schemas.microsoft.com/office/powerpoint/2010/main" val="2844290128"/>
+              </p:ext>
+            </p:extLst>
+          </p:nvPr>
+        </p:nvGraphicFramePr>
+        <p:xfrm>
+          <a:off x="444548" y="2605810"/>
+          <a:ext cx="11301467" cy="3982568"/>
+        </p:xfrm>
+        <a:graphic>
+          <a:graphicData uri="http://schemas.openxmlformats.org/drawingml/2006/table">
+            <a:tbl>
+              <a:tblPr firstRow="1" bandRow="1">
+                <a:tableStyleId>{5C22544A-7EE6-4342-B048-85BDC9FD1C3A}</a:tableStyleId>
+              </a:tblPr>
+              <a:tblGrid>
+                <a:gridCol w="2218266">
+                  <a:extLst>
+                    <a:ext uri="{9D8B030D-6E8A-4147-A177-3AD203B41FA5}">
+                      <a16:colId xmlns:a16="http://schemas.microsoft.com/office/drawing/2014/main" val="2451591752"/>
+                    </a:ext>
+                  </a:extLst>
+                </a:gridCol>
+                <a:gridCol w="9083201">
+                  <a:extLst>
+                    <a:ext uri="{9D8B030D-6E8A-4147-A177-3AD203B41FA5}">
+                      <a16:colId xmlns:a16="http://schemas.microsoft.com/office/drawing/2014/main" val="3337492852"/>
+                    </a:ext>
+                  </a:extLst>
+                </a:gridCol>
+              </a:tblGrid>
+              <a:tr h="475237">
+                <a:tc>
+                  <a:txBody>
+                    <a:bodyPr/>
+                    <a:lstStyle/>
+                    <a:p>
+                      <a:pPr algn="ctr"/>
+                      <a:r>
+                        <a:rPr lang="es-ES" dirty="0"/>
+                        <a:t>Método</a:t>
+                      </a:r>
+                    </a:p>
+                  </a:txBody>
+                  <a:tcPr anchor="ctr"/>
+                </a:tc>
+                <a:tc>
+                  <a:txBody>
+                    <a:bodyPr/>
+                    <a:lstStyle/>
+                    <a:p>
+                      <a:pPr algn="ctr"/>
+                      <a:r>
+                        <a:rPr lang="es-ES" dirty="0"/>
+                        <a:t>Descripción</a:t>
+                      </a:r>
+                    </a:p>
+                  </a:txBody>
+                  <a:tcPr anchor="ctr"/>
+                </a:tc>
+                <a:extLst>
+                  <a:ext uri="{0D108BD9-81ED-4DB2-BD59-A6C34878D82A}">
+                    <a16:rowId xmlns:a16="http://schemas.microsoft.com/office/drawing/2014/main" val="313488130"/>
+                  </a:ext>
+                </a:extLst>
+              </a:tr>
+              <a:tr h="475237">
+                <a:tc>
+                  <a:txBody>
+                    <a:bodyPr/>
+                    <a:lstStyle/>
+                    <a:p>
+                      <a:r>
+                        <a:rPr lang="es-ES" dirty="0" err="1"/>
+                        <a:t>destroy</a:t>
+                      </a:r>
+                      <a:r>
+                        <a:rPr lang="es-ES" dirty="0"/>
+                        <a:t>()</a:t>
+                      </a:r>
+                    </a:p>
+                  </a:txBody>
+                  <a:tcPr/>
+                </a:tc>
+                <a:tc>
+                  <a:txBody>
+                    <a:bodyPr/>
+                    <a:lstStyle/>
+                    <a:p>
+                      <a:r>
+                        <a:rPr lang="es-ES" dirty="0"/>
+                        <a:t>Destruye el proceso sobre el que se ejecuta</a:t>
+                      </a:r>
+                    </a:p>
+                  </a:txBody>
+                  <a:tcPr/>
+                </a:tc>
+                <a:extLst>
+                  <a:ext uri="{0D108BD9-81ED-4DB2-BD59-A6C34878D82A}">
+                    <a16:rowId xmlns:a16="http://schemas.microsoft.com/office/drawing/2014/main" val="1431769140"/>
+                  </a:ext>
+                </a:extLst>
+              </a:tr>
+              <a:tr h="475237">
+                <a:tc>
+                  <a:txBody>
+                    <a:bodyPr/>
+                    <a:lstStyle/>
+                    <a:p>
+                      <a:r>
+                        <a:rPr lang="es-ES" dirty="0" err="1"/>
+                        <a:t>exitValue</a:t>
+                      </a:r>
+                      <a:r>
+                        <a:rPr lang="es-ES" dirty="0"/>
+                        <a:t>()</a:t>
+                      </a:r>
+                    </a:p>
+                  </a:txBody>
+                  <a:tcPr/>
+                </a:tc>
+                <a:tc>
+                  <a:txBody>
+                    <a:bodyPr/>
+                    <a:lstStyle/>
+                    <a:p>
+                      <a:r>
+                        <a:rPr lang="es-ES" dirty="0"/>
+                        <a:t>Devuelve el valor de retorno del proceso cuando este finaliza. Controla estado.</a:t>
+                      </a:r>
+                    </a:p>
+                  </a:txBody>
+                  <a:tcPr/>
+                </a:tc>
+                <a:extLst>
+                  <a:ext uri="{0D108BD9-81ED-4DB2-BD59-A6C34878D82A}">
+                    <a16:rowId xmlns:a16="http://schemas.microsoft.com/office/drawing/2014/main" val="469640371"/>
+                  </a:ext>
+                </a:extLst>
+              </a:tr>
+              <a:tr h="475237">
+                <a:tc>
+                  <a:txBody>
+                    <a:bodyPr/>
+                    <a:lstStyle/>
+                    <a:p>
+                      <a:r>
+                        <a:rPr lang="es-ES" dirty="0" err="1"/>
+                        <a:t>getErrorStream</a:t>
+                      </a:r>
+                      <a:r>
+                        <a:rPr lang="es-ES" dirty="0"/>
+                        <a:t>()</a:t>
+                      </a:r>
+                    </a:p>
+                  </a:txBody>
+                  <a:tcPr/>
+                </a:tc>
+                <a:tc>
+                  <a:txBody>
+                    <a:bodyPr/>
+                    <a:lstStyle/>
+                    <a:p>
+                      <a:r>
+                        <a:rPr lang="es-ES" dirty="0"/>
+                        <a:t>Proporciona un </a:t>
+                      </a:r>
+                      <a:r>
+                        <a:rPr lang="es-ES" dirty="0" err="1"/>
+                        <a:t>InputStream</a:t>
+                      </a:r>
+                      <a:r>
+                        <a:rPr lang="es-ES" dirty="0"/>
+                        <a:t> conectado a la salida de error del proceso.</a:t>
+                      </a:r>
+                    </a:p>
+                  </a:txBody>
+                  <a:tcPr/>
+                </a:tc>
+                <a:extLst>
+                  <a:ext uri="{0D108BD9-81ED-4DB2-BD59-A6C34878D82A}">
+                    <a16:rowId xmlns:a16="http://schemas.microsoft.com/office/drawing/2014/main" val="2546712686"/>
+                  </a:ext>
+                </a:extLst>
+              </a:tr>
+              <a:tr h="491066">
+                <a:tc>
+                  <a:txBody>
+                    <a:bodyPr/>
+                    <a:lstStyle/>
+                    <a:p>
+                      <a:pPr lvl="0" algn="l">
+                        <a:lnSpc>
+                          <a:spcPct val="100000"/>
+                        </a:lnSpc>
+                        <a:spcBef>
+                          <a:spcPts val="0"/>
+                        </a:spcBef>
+                        <a:spcAft>
+                          <a:spcPts val="0"/>
+                        </a:spcAft>
+                        <a:buNone/>
+                      </a:pPr>
+                      <a:r>
+                        <a:rPr lang="es-ES" sz="1800" b="0" i="0" u="none" strike="noStrike" noProof="0" dirty="0" err="1">
+                          <a:solidFill>
+                            <a:srgbClr val="000000"/>
+                          </a:solidFill>
+                          <a:latin typeface="Neue Haas Grotesk Text Pro"/>
+                        </a:rPr>
+                        <a:t>getInpuStream</a:t>
+                      </a:r>
+                      <a:r>
+                        <a:rPr lang="es-ES" sz="1800" b="0" i="0" u="none" strike="noStrike" noProof="0" dirty="0">
+                          <a:solidFill>
+                            <a:srgbClr val="000000"/>
+                          </a:solidFill>
+                          <a:latin typeface="Neue Haas Grotesk Text Pro"/>
+                        </a:rPr>
+                        <a:t>()</a:t>
+                      </a:r>
+                    </a:p>
+                  </a:txBody>
+                  <a:tcPr/>
+                </a:tc>
+                <a:tc>
+                  <a:txBody>
+                    <a:bodyPr/>
+                    <a:lstStyle/>
+                    <a:p>
+                      <a:pPr lvl="0" algn="l">
+                        <a:lnSpc>
+                          <a:spcPct val="100000"/>
+                        </a:lnSpc>
+                        <a:spcBef>
+                          <a:spcPts val="0"/>
+                        </a:spcBef>
+                        <a:spcAft>
+                          <a:spcPts val="0"/>
+                        </a:spcAft>
+                        <a:buNone/>
+                      </a:pPr>
+                      <a:r>
+                        <a:rPr lang="es-ES" sz="1800" b="0" i="0" u="none" strike="noStrike" noProof="0" dirty="0">
+                          <a:solidFill>
+                            <a:srgbClr val="000000"/>
+                          </a:solidFill>
+                          <a:latin typeface="Neue Haas Grotesk Text Pro"/>
+                        </a:rPr>
+                        <a:t>Proporciona un </a:t>
+                      </a:r>
+                      <a:r>
+                        <a:rPr lang="es-ES" sz="1800" b="0" i="0" u="none" strike="noStrike" noProof="0" dirty="0" err="1">
+                          <a:solidFill>
+                            <a:srgbClr val="000000"/>
+                          </a:solidFill>
+                          <a:latin typeface="Neue Haas Grotesk Text Pro"/>
+                        </a:rPr>
+                        <a:t>InputStream</a:t>
+                      </a:r>
+                      <a:r>
+                        <a:rPr lang="es-ES" sz="1800" b="0" i="0" u="none" strike="noStrike" noProof="0" dirty="0">
+                          <a:solidFill>
+                            <a:srgbClr val="000000"/>
+                          </a:solidFill>
+                          <a:latin typeface="Neue Haas Grotesk Text Pro"/>
+                        </a:rPr>
+                        <a:t> conectado a la salida normal del proceso.</a:t>
+                      </a:r>
+                    </a:p>
+                  </a:txBody>
+                  <a:tcPr/>
+                </a:tc>
+                <a:extLst>
+                  <a:ext uri="{0D108BD9-81ED-4DB2-BD59-A6C34878D82A}">
+                    <a16:rowId xmlns:a16="http://schemas.microsoft.com/office/drawing/2014/main" val="1363372262"/>
+                  </a:ext>
+                </a:extLst>
+              </a:tr>
+              <a:tr h="508000">
+                <a:tc>
+                  <a:txBody>
+                    <a:bodyPr/>
+                    <a:lstStyle/>
+                    <a:p>
+                      <a:pPr lvl="0" algn="l">
+                        <a:lnSpc>
+                          <a:spcPct val="100000"/>
+                        </a:lnSpc>
+                        <a:spcBef>
+                          <a:spcPts val="0"/>
+                        </a:spcBef>
+                        <a:spcAft>
+                          <a:spcPts val="0"/>
+                        </a:spcAft>
+                        <a:buNone/>
+                      </a:pPr>
+                      <a:r>
+                        <a:rPr lang="es-ES" sz="1800" b="0" i="0" u="none" strike="noStrike" noProof="0" dirty="0" err="1">
+                          <a:solidFill>
+                            <a:srgbClr val="000000"/>
+                          </a:solidFill>
+                          <a:latin typeface="Neue Haas Grotesk Text Pro"/>
+                        </a:rPr>
+                        <a:t>getErrorStream</a:t>
+                      </a:r>
+                      <a:r>
+                        <a:rPr lang="es-ES" sz="1800" b="0" i="0" u="none" strike="noStrike" noProof="0" dirty="0">
+                          <a:solidFill>
+                            <a:srgbClr val="000000"/>
+                          </a:solidFill>
+                          <a:latin typeface="Neue Haas Grotesk Text Pro"/>
+                        </a:rPr>
+                        <a:t>()</a:t>
+                      </a:r>
+                    </a:p>
+                  </a:txBody>
+                  <a:tcPr/>
+                </a:tc>
+                <a:tc>
+                  <a:txBody>
+                    <a:bodyPr/>
+                    <a:lstStyle/>
+                    <a:p>
+                      <a:pPr lvl="0" algn="l">
+                        <a:lnSpc>
+                          <a:spcPct val="100000"/>
+                        </a:lnSpc>
+                        <a:spcBef>
+                          <a:spcPts val="0"/>
+                        </a:spcBef>
+                        <a:spcAft>
+                          <a:spcPts val="0"/>
+                        </a:spcAft>
+                        <a:buNone/>
+                      </a:pPr>
+                      <a:r>
+                        <a:rPr lang="es-ES" sz="1800" b="0" i="0" u="none" strike="noStrike" noProof="0" dirty="0">
+                          <a:solidFill>
+                            <a:srgbClr val="000000"/>
+                          </a:solidFill>
+                          <a:latin typeface="Neue Haas Grotesk Text Pro"/>
+                        </a:rPr>
+                        <a:t>Proporciona un </a:t>
+                      </a:r>
+                      <a:r>
+                        <a:rPr lang="es-ES" sz="1800" b="0" i="0" u="none" strike="noStrike" noProof="0" err="1">
+                          <a:solidFill>
+                            <a:srgbClr val="000000"/>
+                          </a:solidFill>
+                          <a:latin typeface="Neue Haas Grotesk Text Pro"/>
+                        </a:rPr>
+                        <a:t>OutputStream</a:t>
+                      </a:r>
+                      <a:r>
+                        <a:rPr lang="es-ES" sz="1800" b="0" i="0" u="none" strike="noStrike" noProof="0">
+                          <a:solidFill>
+                            <a:srgbClr val="000000"/>
+                          </a:solidFill>
+                          <a:latin typeface="Neue Haas Grotesk Text Pro"/>
+                        </a:rPr>
+                        <a:t> conectado a la entrada normal del proceso.</a:t>
+                      </a:r>
+                    </a:p>
+                    <a:p>
+                      <a:pPr lvl="0">
+                        <a:buNone/>
+                      </a:pPr>
+                      <a:endParaRPr lang="es-ES" dirty="0"/>
+                    </a:p>
+                  </a:txBody>
+                  <a:tcPr/>
+                </a:tc>
+                <a:extLst>
+                  <a:ext uri="{0D108BD9-81ED-4DB2-BD59-A6C34878D82A}">
+                    <a16:rowId xmlns:a16="http://schemas.microsoft.com/office/drawing/2014/main" val="1194936512"/>
+                  </a:ext>
+                </a:extLst>
+              </a:tr>
+              <a:tr h="475237">
+                <a:tc>
+                  <a:txBody>
+                    <a:bodyPr/>
+                    <a:lstStyle/>
+                    <a:p>
+                      <a:r>
+                        <a:rPr lang="es-ES" dirty="0" err="1"/>
+                        <a:t>isAlive</a:t>
+                      </a:r>
+                      <a:r>
+                        <a:rPr lang="es-ES" dirty="0"/>
+                        <a:t>()</a:t>
+                      </a:r>
+                    </a:p>
+                  </a:txBody>
+                  <a:tcPr/>
+                </a:tc>
+                <a:tc>
+                  <a:txBody>
+                    <a:bodyPr/>
+                    <a:lstStyle/>
+                    <a:p>
+                      <a:r>
+                        <a:rPr lang="es-ES"/>
+                        <a:t>Determina si el proceso está o no en ejecución.</a:t>
+                      </a:r>
+                    </a:p>
+                  </a:txBody>
+                  <a:tcPr/>
+                </a:tc>
+                <a:extLst>
+                  <a:ext uri="{0D108BD9-81ED-4DB2-BD59-A6C34878D82A}">
+                    <a16:rowId xmlns:a16="http://schemas.microsoft.com/office/drawing/2014/main" val="1601106336"/>
+                  </a:ext>
+                </a:extLst>
+              </a:tr>
+              <a:tr h="475237">
+                <a:tc>
+                  <a:txBody>
+                    <a:bodyPr/>
+                    <a:lstStyle/>
+                    <a:p>
+                      <a:r>
+                        <a:rPr lang="es-ES" dirty="0" err="1"/>
+                        <a:t>waitFor</a:t>
+                      </a:r>
+                      <a:r>
+                        <a:rPr lang="es-ES" dirty="0"/>
+                        <a:t>()</a:t>
+                      </a:r>
+                    </a:p>
+                  </a:txBody>
+                  <a:tcPr/>
+                </a:tc>
+                <a:tc>
+                  <a:txBody>
+                    <a:bodyPr/>
+                    <a:lstStyle/>
+                    <a:p>
+                      <a:r>
+                        <a:rPr lang="es-ES"/>
+                        <a:t>Detiene la ejecución del programa a la espera de que el proceso termine.</a:t>
+                      </a:r>
+                    </a:p>
+                  </a:txBody>
+                  <a:tcPr/>
+                </a:tc>
+                <a:extLst>
+                  <a:ext uri="{0D108BD9-81ED-4DB2-BD59-A6C34878D82A}">
+                    <a16:rowId xmlns:a16="http://schemas.microsoft.com/office/drawing/2014/main" val="1594537080"/>
+                  </a:ext>
+                </a:extLst>
+              </a:tr>
+            </a:tbl>
+          </a:graphicData>
+        </a:graphic>
+      </p:graphicFrame>
     </p:spTree>
     <p:extLst>
       <p:ext uri="{BB962C8B-B14F-4D97-AF65-F5344CB8AC3E}">
@@ -17654,38 +18590,337 @@
           </a:p>
         </p:txBody>
       </p:sp>
-      <p:sp>
-        <p:nvSpPr>
-          <p:cNvPr id="3" name="Marcador de contenido 2">
+      <p:graphicFrame>
+        <p:nvGraphicFramePr>
+          <p:cNvPr id="4" name="Marcador de contenido 3">
             <a:extLst>
               <a:ext uri="{FF2B5EF4-FFF2-40B4-BE49-F238E27FC236}">
-                <a16:creationId xmlns:a16="http://schemas.microsoft.com/office/drawing/2014/main" id="{0C98EA91-26F9-68B2-5678-59E7B2B2C5F1}"/>
+                <a16:creationId xmlns:a16="http://schemas.microsoft.com/office/drawing/2014/main" id="{7429E445-4094-3E5D-33D0-49631A43A2C9}"/>
               </a:ext>
             </a:extLst>
           </p:cNvPr>
-          <p:cNvSpPr>
-            <a:spLocks noGrp="1"/>
-          </p:cNvSpPr>
+          <p:cNvGraphicFramePr>
+            <a:graphicFrameLocks noGrp="1"/>
+          </p:cNvGraphicFramePr>
           <p:nvPr>
             <p:ph idx="1"/>
+            <p:extLst>
+              <p:ext uri="{D42A27DB-BD31-4B8C-83A1-F6EECF244321}">
+                <p14:modId xmlns:p14="http://schemas.microsoft.com/office/powerpoint/2010/main" val="3837441396"/>
+              </p:ext>
+            </p:extLst>
           </p:nvPr>
-        </p:nvSpPr>
-        <p:spPr>
-          <a:xfrm>
-            <a:off x="1987680" y="2401493"/>
-            <a:ext cx="8929845" cy="3404667"/>
-          </a:xfrm>
-        </p:spPr>
-        <p:txBody>
-          <a:bodyPr>
-            <a:normAutofit/>
-          </a:bodyPr>
-          <a:lstStyle/>
-          <a:p>
-            <a:endParaRPr lang="es-ES"/>
-          </a:p>
-        </p:txBody>
-      </p:sp>
+        </p:nvGraphicFramePr>
+        <p:xfrm>
+          <a:off x="186905" y="2142226"/>
+          <a:ext cx="11677690" cy="4558197"/>
+        </p:xfrm>
+        <a:graphic>
+          <a:graphicData uri="http://schemas.openxmlformats.org/drawingml/2006/table">
+            <a:tbl>
+              <a:tblPr firstRow="1" bandRow="1">
+                <a:tableStyleId>{5C22544A-7EE6-4342-B048-85BDC9FD1C3A}</a:tableStyleId>
+              </a:tblPr>
+              <a:tblGrid>
+                <a:gridCol w="1947333">
+                  <a:extLst>
+                    <a:ext uri="{9D8B030D-6E8A-4147-A177-3AD203B41FA5}">
+                      <a16:colId xmlns:a16="http://schemas.microsoft.com/office/drawing/2014/main" val="2054792892"/>
+                    </a:ext>
+                  </a:extLst>
+                </a:gridCol>
+                <a:gridCol w="9730357">
+                  <a:extLst>
+                    <a:ext uri="{9D8B030D-6E8A-4147-A177-3AD203B41FA5}">
+                      <a16:colId xmlns:a16="http://schemas.microsoft.com/office/drawing/2014/main" val="1940609756"/>
+                    </a:ext>
+                  </a:extLst>
+                </a:gridCol>
+              </a:tblGrid>
+              <a:tr h="559731">
+                <a:tc>
+                  <a:txBody>
+                    <a:bodyPr/>
+                    <a:lstStyle/>
+                    <a:p>
+                      <a:pPr algn="ctr"/>
+                      <a:r>
+                        <a:rPr lang="es-ES"/>
+                        <a:t>Método</a:t>
+                      </a:r>
+                    </a:p>
+                  </a:txBody>
+                  <a:tcPr anchor="ctr"/>
+                </a:tc>
+                <a:tc>
+                  <a:txBody>
+                    <a:bodyPr/>
+                    <a:lstStyle/>
+                    <a:p>
+                      <a:pPr algn="ctr"/>
+                      <a:r>
+                        <a:rPr lang="es-ES" err="1"/>
+                        <a:t>Descipción</a:t>
+                      </a:r>
+                      <a:endParaRPr lang="es-ES" dirty="0" err="1"/>
+                    </a:p>
+                  </a:txBody>
+                  <a:tcPr anchor="ctr"/>
+                </a:tc>
+                <a:extLst>
+                  <a:ext uri="{0D108BD9-81ED-4DB2-BD59-A6C34878D82A}">
+                    <a16:rowId xmlns:a16="http://schemas.microsoft.com/office/drawing/2014/main" val="2821467329"/>
+                  </a:ext>
+                </a:extLst>
+              </a:tr>
+              <a:tr h="559731">
+                <a:tc>
+                  <a:txBody>
+                    <a:bodyPr/>
+                    <a:lstStyle/>
+                    <a:p>
+                      <a:r>
+                        <a:rPr lang="es-ES" dirty="0" err="1"/>
+                        <a:t>star</a:t>
+                      </a:r>
+                    </a:p>
+                  </a:txBody>
+                  <a:tcPr/>
+                </a:tc>
+                <a:tc>
+                  <a:txBody>
+                    <a:bodyPr/>
+                    <a:lstStyle/>
+                    <a:p>
+                      <a:r>
+                        <a:rPr lang="es-ES"/>
+                        <a:t>Inicia un nuevo proceso usando los atributos especificados.</a:t>
+                      </a:r>
+                      <a:endParaRPr lang="es-ES" dirty="0"/>
+                    </a:p>
+                  </a:txBody>
+                  <a:tcPr/>
+                </a:tc>
+                <a:extLst>
+                  <a:ext uri="{0D108BD9-81ED-4DB2-BD59-A6C34878D82A}">
+                    <a16:rowId xmlns:a16="http://schemas.microsoft.com/office/drawing/2014/main" val="2152860748"/>
+                  </a:ext>
+                </a:extLst>
+              </a:tr>
+              <a:tr h="559731">
+                <a:tc>
+                  <a:txBody>
+                    <a:bodyPr/>
+                    <a:lstStyle/>
+                    <a:p>
+                      <a:r>
+                        <a:rPr lang="es-ES" dirty="0" err="1"/>
+                        <a:t>command</a:t>
+                      </a:r>
+                    </a:p>
+                  </a:txBody>
+                  <a:tcPr/>
+                </a:tc>
+                <a:tc>
+                  <a:txBody>
+                    <a:bodyPr/>
+                    <a:lstStyle/>
+                    <a:p>
+                      <a:r>
+                        <a:rPr lang="es-ES" dirty="0"/>
+                        <a:t>Permite obtener o asignar el programa y los argumentos de la instancia de </a:t>
+                      </a:r>
+                      <a:r>
+                        <a:rPr lang="es-ES" dirty="0" err="1"/>
+                        <a:t>ProcessBuilder</a:t>
+                      </a:r>
+                    </a:p>
+                  </a:txBody>
+                  <a:tcPr/>
+                </a:tc>
+                <a:extLst>
+                  <a:ext uri="{0D108BD9-81ED-4DB2-BD59-A6C34878D82A}">
+                    <a16:rowId xmlns:a16="http://schemas.microsoft.com/office/drawing/2014/main" val="1196466332"/>
+                  </a:ext>
+                </a:extLst>
+              </a:tr>
+              <a:tr h="559731">
+                <a:tc>
+                  <a:txBody>
+                    <a:bodyPr/>
+                    <a:lstStyle/>
+                    <a:p>
+                      <a:r>
+                        <a:rPr lang="es-ES" dirty="0" err="1"/>
+                        <a:t>directory</a:t>
+                      </a:r>
+                    </a:p>
+                  </a:txBody>
+                  <a:tcPr/>
+                </a:tc>
+                <a:tc>
+                  <a:txBody>
+                    <a:bodyPr/>
+                    <a:lstStyle/>
+                    <a:p>
+                      <a:r>
+                        <a:rPr lang="es-ES" dirty="0"/>
+                        <a:t>Permite obtener o asignar el directorio de trabajo del proceso.</a:t>
+                      </a:r>
+                    </a:p>
+                  </a:txBody>
+                  <a:tcPr/>
+                </a:tc>
+                <a:extLst>
+                  <a:ext uri="{0D108BD9-81ED-4DB2-BD59-A6C34878D82A}">
+                    <a16:rowId xmlns:a16="http://schemas.microsoft.com/office/drawing/2014/main" val="3963173424"/>
+                  </a:ext>
+                </a:extLst>
+              </a:tr>
+              <a:tr h="559731">
+                <a:tc>
+                  <a:txBody>
+                    <a:bodyPr/>
+                    <a:lstStyle/>
+                    <a:p>
+                      <a:r>
+                        <a:rPr lang="es-ES" dirty="0" err="1"/>
+                        <a:t>environment</a:t>
+                      </a:r>
+                    </a:p>
+                  </a:txBody>
+                  <a:tcPr/>
+                </a:tc>
+                <a:tc>
+                  <a:txBody>
+                    <a:bodyPr/>
+                    <a:lstStyle/>
+                    <a:p>
+                      <a:r>
+                        <a:rPr lang="es-ES" dirty="0"/>
+                        <a:t>Proporciona información sobre el entorno de ejecución del proceso.</a:t>
+                      </a:r>
+                    </a:p>
+                  </a:txBody>
+                  <a:tcPr/>
+                </a:tc>
+                <a:extLst>
+                  <a:ext uri="{0D108BD9-81ED-4DB2-BD59-A6C34878D82A}">
+                    <a16:rowId xmlns:a16="http://schemas.microsoft.com/office/drawing/2014/main" val="3637628449"/>
+                  </a:ext>
+                </a:extLst>
+              </a:tr>
+              <a:tr h="559731">
+                <a:tc>
+                  <a:txBody>
+                    <a:bodyPr/>
+                    <a:lstStyle/>
+                    <a:p>
+                      <a:r>
+                        <a:rPr lang="es-ES" dirty="0" err="1"/>
+                        <a:t>redirectError</a:t>
+                      </a:r>
+                    </a:p>
+                  </a:txBody>
+                  <a:tcPr/>
+                </a:tc>
+                <a:tc>
+                  <a:txBody>
+                    <a:bodyPr/>
+                    <a:lstStyle/>
+                    <a:p>
+                      <a:r>
+                        <a:rPr lang="es-ES" dirty="0"/>
+                        <a:t>Permite determinar el destino de la salida de errores.</a:t>
+                      </a:r>
+                    </a:p>
+                  </a:txBody>
+                  <a:tcPr/>
+                </a:tc>
+                <a:extLst>
+                  <a:ext uri="{0D108BD9-81ED-4DB2-BD59-A6C34878D82A}">
+                    <a16:rowId xmlns:a16="http://schemas.microsoft.com/office/drawing/2014/main" val="972575656"/>
+                  </a:ext>
+                </a:extLst>
+              </a:tr>
+              <a:tr h="559731">
+                <a:tc>
+                  <a:txBody>
+                    <a:bodyPr/>
+                    <a:lstStyle/>
+                    <a:p>
+                      <a:r>
+                        <a:rPr lang="es-ES" dirty="0" err="1"/>
+                        <a:t>redirectInput</a:t>
+                      </a:r>
+                    </a:p>
+                  </a:txBody>
+                  <a:tcPr/>
+                </a:tc>
+                <a:tc>
+                  <a:txBody>
+                    <a:bodyPr/>
+                    <a:lstStyle/>
+                    <a:p>
+                      <a:r>
+                        <a:rPr lang="es-ES" dirty="0"/>
+                        <a:t>Permite determinar el origen de la entrada estándar.</a:t>
+                      </a:r>
+                    </a:p>
+                  </a:txBody>
+                  <a:tcPr/>
+                </a:tc>
+                <a:extLst>
+                  <a:ext uri="{0D108BD9-81ED-4DB2-BD59-A6C34878D82A}">
+                    <a16:rowId xmlns:a16="http://schemas.microsoft.com/office/drawing/2014/main" val="1535544914"/>
+                  </a:ext>
+                </a:extLst>
+              </a:tr>
+              <a:tr h="559731">
+                <a:tc>
+                  <a:txBody>
+                    <a:bodyPr/>
+                    <a:lstStyle/>
+                    <a:p>
+                      <a:r>
+                        <a:rPr lang="es-ES" dirty="0" err="1"/>
+                        <a:t>redirectOutput</a:t>
+                      </a:r>
+                    </a:p>
+                  </a:txBody>
+                  <a:tcPr/>
+                </a:tc>
+                <a:tc>
+                  <a:txBody>
+                    <a:bodyPr/>
+                    <a:lstStyle/>
+                    <a:p>
+                      <a:r>
+                        <a:rPr lang="es-ES" dirty="0"/>
+                        <a:t>Permite determinar el destino de la salida </a:t>
+                      </a:r>
+                      <a:r>
+                        <a:rPr lang="es-ES" dirty="0" err="1"/>
+                        <a:t>estánar</a:t>
+                      </a:r>
+                      <a:r>
+                        <a:rPr lang="es-ES" dirty="0"/>
+                        <a:t>.</a:t>
+                      </a:r>
+                    </a:p>
+                  </a:txBody>
+                  <a:tcPr/>
+                </a:tc>
+                <a:extLst>
+                  <a:ext uri="{0D108BD9-81ED-4DB2-BD59-A6C34878D82A}">
+                    <a16:rowId xmlns:a16="http://schemas.microsoft.com/office/drawing/2014/main" val="502576119"/>
+                  </a:ext>
+                </a:extLst>
+              </a:tr>
+            </a:tbl>
+          </a:graphicData>
+        </a:graphic>
+      </p:graphicFrame>
     </p:spTree>
     <p:extLst>
       <p:ext uri="{BB962C8B-B14F-4D97-AF65-F5344CB8AC3E}">
